--- a/Task 04/Task 4b/Task_4b.pptx
+++ b/Task 04/Task 4b/Task_4b.pptx
@@ -13126,7 +13126,7 @@
                 <a:cs typeface="Times New Roman"/>
                 <a:sym typeface="Times New Roman"/>
               </a:rPr>
-              <a:t>Heart disease poses significant health challenges, necessitating accurate prediction for timely intervention. Leveraging High-Performance Computing (HPC) in tandem with Machine Learning (ML) algorithms offers a promising avenue for enhancing predictive accuracy. This study conducts a comparative analysis of K-Nearest Neighbors (KNN), Naive Bayes, Logistic Regression, and Decision Trees, using biological parameters like cholesterol levels, blood pressure, sex, and age for heart disease prediction. By evaluating the efficacy of these algorithms, we aim to identify the most effective approach, contributing to advancements in proactive healthcare interventions and precision medicine.</a:t>
+              <a:t>Heart disease poses significant health challenges, necessitating accurate prediction for timely intervention. Leveraging High-Performance Computing (HPC) in tandem with Machine Learning (ML) algorithms offers a promising avenue for enhancing predictive accuracy. This study conducts a comparative analysis of K-Nearest Neighbors (KNN), Naive Bayes, Logistic Regression, and Decision Trees, using biological parameters like cholesterol levels, blood pressure, sex, and age for heart disease prediction. By evaluating the accuracy of these algorithms, we aim to identify the most effective approach, contributing to advancements in proactive healthcare interventions and precision medicine.</a:t>
             </a:r>
             <a:endParaRPr sz="1800">
               <a:latin typeface="Times New Roman"/>
@@ -13721,7 +13721,7 @@
                 <a:cs typeface="Times New Roman"/>
                 <a:sym typeface="Times New Roman"/>
               </a:rPr>
-              <a:t>Apply KNN, Logistic Regression, Naive Bayes, and Decision Tree independently for hate speech detection on twitter</a:t>
+              <a:t>Apply KNN, Logistic Regression, Naive Bayes, and Decision Tree independently for heart disease prediction</a:t>
             </a:r>
             <a:endParaRPr sz="2000">
               <a:latin typeface="Times New Roman"/>
